--- a/presentation/EARS-CTRL_intro.pptx
+++ b/presentation/EARS-CTRL_intro.pptx
@@ -5,15 +5,18 @@
     <p:sldMasterId id="2147483657" r:id="rId1"/>
   </p:sldMasterIdLst>
   <p:notesMasterIdLst>
-    <p:notesMasterId r:id="rId8"/>
+    <p:notesMasterId r:id="rId11"/>
   </p:notesMasterIdLst>
   <p:sldIdLst>
     <p:sldId id="256" r:id="rId2"/>
-    <p:sldId id="268" r:id="rId3"/>
-    <p:sldId id="269" r:id="rId4"/>
-    <p:sldId id="270" r:id="rId5"/>
-    <p:sldId id="271" r:id="rId6"/>
-    <p:sldId id="264" r:id="rId7"/>
+    <p:sldId id="274" r:id="rId3"/>
+    <p:sldId id="268" r:id="rId4"/>
+    <p:sldId id="269" r:id="rId5"/>
+    <p:sldId id="270" r:id="rId6"/>
+    <p:sldId id="271" r:id="rId7"/>
+    <p:sldId id="272" r:id="rId8"/>
+    <p:sldId id="273" r:id="rId9"/>
+    <p:sldId id="264" r:id="rId10"/>
   </p:sldIdLst>
   <p:sldSz cx="9144000" cy="6858000" type="screen4x3"/>
   <p:notesSz cx="6858000" cy="9144000"/>
@@ -1373,7 +1376,7 @@
           <a:p>
             <a:fld id="{D8B209BD-1F1A-A84A-A18B-65496DF906E4}" type="slidenum">
               <a:rPr lang="en-US" smtClean="0"/>
-              <a:t>2</a:t>
+              <a:t>3</a:t>
             </a:fld>
             <a:endParaRPr lang="en-US"/>
           </a:p>
@@ -2653,458 +2656,6 @@
 </file>
 
 <file path=ppt/slideLayouts/slideLayout2.xml><?xml version="1.0" encoding="utf-8"?>
-<p:sldLayout xmlns:a="http://schemas.openxmlformats.org/drawingml/2006/main" xmlns:r="http://schemas.openxmlformats.org/officeDocument/2006/relationships" xmlns:p="http://schemas.openxmlformats.org/presentationml/2006/main" type="blank">
-  <p:cSld name="Blank">
-    <p:spTree>
-      <p:nvGrpSpPr>
-        <p:cNvPr id="1" name="Shape 56"/>
-        <p:cNvGrpSpPr/>
-        <p:nvPr/>
-      </p:nvGrpSpPr>
-      <p:grpSpPr>
-        <a:xfrm>
-          <a:off x="0" y="0"/>
-          <a:ext cx="0" cy="0"/>
-          <a:chOff x="0" y="0"/>
-          <a:chExt cx="0" cy="0"/>
-        </a:xfrm>
-      </p:grpSpPr>
-      <p:sp>
-        <p:nvSpPr>
-          <p:cNvPr id="57" name="Shape 57"/>
-          <p:cNvSpPr txBox="1">
-            <a:spLocks noGrp="1"/>
-          </p:cNvSpPr>
-          <p:nvPr>
-            <p:ph type="dt" idx="10"/>
-          </p:nvPr>
-        </p:nvSpPr>
-        <p:spPr>
-          <a:xfrm>
-            <a:off x="5821362" y="6408737"/>
-            <a:ext cx="1619249" cy="179386"/>
-          </a:xfrm>
-          <a:prstGeom prst="rect">
-            <a:avLst/>
-          </a:prstGeom>
-          <a:noFill/>
-          <a:ln>
-            <a:noFill/>
-          </a:ln>
-        </p:spPr>
-        <p:txBody>
-          <a:bodyPr lIns="91425" tIns="91425" rIns="91425" bIns="91425" anchor="ctr" anchorCtr="0"/>
-          <a:lstStyle>
-            <a:lvl1pPr marL="0" marR="0" lvl="0" indent="0" algn="r" rtl="0">
-              <a:spcBef>
-                <a:spcPts val="0"/>
-              </a:spcBef>
-              <a:spcAft>
-                <a:spcPts val="0"/>
-              </a:spcAft>
-              <a:buNone/>
-              <a:defRPr sz="800">
-                <a:solidFill>
-                  <a:schemeClr val="accent1"/>
-                </a:solidFill>
-                <a:latin typeface="Arial"/>
-                <a:ea typeface="Arial"/>
-                <a:cs typeface="Arial"/>
-                <a:sym typeface="Arial"/>
-              </a:defRPr>
-            </a:lvl1pPr>
-            <a:lvl2pPr marL="457200" marR="0" lvl="1" indent="0" algn="l" rtl="0">
-              <a:spcBef>
-                <a:spcPts val="0"/>
-              </a:spcBef>
-              <a:spcAft>
-                <a:spcPts val="0"/>
-              </a:spcAft>
-              <a:buNone/>
-              <a:defRPr sz="1800" b="0" i="0" u="none" strike="noStrike" cap="none">
-                <a:solidFill>
-                  <a:schemeClr val="dk1"/>
-                </a:solidFill>
-                <a:latin typeface="Arial"/>
-                <a:ea typeface="Arial"/>
-                <a:cs typeface="Arial"/>
-                <a:sym typeface="Arial"/>
-              </a:defRPr>
-            </a:lvl2pPr>
-            <a:lvl3pPr marL="914400" marR="0" lvl="2" indent="0" algn="l" rtl="0">
-              <a:spcBef>
-                <a:spcPts val="0"/>
-              </a:spcBef>
-              <a:spcAft>
-                <a:spcPts val="0"/>
-              </a:spcAft>
-              <a:buNone/>
-              <a:defRPr sz="1800" b="0" i="0" u="none" strike="noStrike" cap="none">
-                <a:solidFill>
-                  <a:schemeClr val="dk1"/>
-                </a:solidFill>
-                <a:latin typeface="Arial"/>
-                <a:ea typeface="Arial"/>
-                <a:cs typeface="Arial"/>
-                <a:sym typeface="Arial"/>
-              </a:defRPr>
-            </a:lvl3pPr>
-            <a:lvl4pPr marL="1371600" marR="0" lvl="3" indent="0" algn="l" rtl="0">
-              <a:spcBef>
-                <a:spcPts val="0"/>
-              </a:spcBef>
-              <a:spcAft>
-                <a:spcPts val="0"/>
-              </a:spcAft>
-              <a:buNone/>
-              <a:defRPr sz="1800" b="0" i="0" u="none" strike="noStrike" cap="none">
-                <a:solidFill>
-                  <a:schemeClr val="dk1"/>
-                </a:solidFill>
-                <a:latin typeface="Arial"/>
-                <a:ea typeface="Arial"/>
-                <a:cs typeface="Arial"/>
-                <a:sym typeface="Arial"/>
-              </a:defRPr>
-            </a:lvl4pPr>
-            <a:lvl5pPr marL="1828800" marR="0" lvl="4" indent="0" algn="l" rtl="0">
-              <a:spcBef>
-                <a:spcPts val="0"/>
-              </a:spcBef>
-              <a:spcAft>
-                <a:spcPts val="0"/>
-              </a:spcAft>
-              <a:buNone/>
-              <a:defRPr sz="1800" b="0" i="0" u="none" strike="noStrike" cap="none">
-                <a:solidFill>
-                  <a:schemeClr val="dk1"/>
-                </a:solidFill>
-                <a:latin typeface="Arial"/>
-                <a:ea typeface="Arial"/>
-                <a:cs typeface="Arial"/>
-                <a:sym typeface="Arial"/>
-              </a:defRPr>
-            </a:lvl5pPr>
-            <a:lvl6pPr marL="2286000" marR="0" lvl="5" indent="0" algn="l" rtl="0">
-              <a:spcBef>
-                <a:spcPts val="0"/>
-              </a:spcBef>
-              <a:buNone/>
-              <a:defRPr sz="1800" b="0" i="0" u="none" strike="noStrike" cap="none">
-                <a:solidFill>
-                  <a:schemeClr val="dk1"/>
-                </a:solidFill>
-                <a:latin typeface="Arial"/>
-                <a:ea typeface="Arial"/>
-                <a:cs typeface="Arial"/>
-                <a:sym typeface="Arial"/>
-              </a:defRPr>
-            </a:lvl6pPr>
-            <a:lvl7pPr marL="2743200" marR="0" lvl="6" indent="0" algn="l" rtl="0">
-              <a:spcBef>
-                <a:spcPts val="0"/>
-              </a:spcBef>
-              <a:buNone/>
-              <a:defRPr sz="1800" b="0" i="0" u="none" strike="noStrike" cap="none">
-                <a:solidFill>
-                  <a:schemeClr val="dk1"/>
-                </a:solidFill>
-                <a:latin typeface="Arial"/>
-                <a:ea typeface="Arial"/>
-                <a:cs typeface="Arial"/>
-                <a:sym typeface="Arial"/>
-              </a:defRPr>
-            </a:lvl7pPr>
-            <a:lvl8pPr marL="3200400" marR="0" lvl="7" indent="0" algn="l" rtl="0">
-              <a:spcBef>
-                <a:spcPts val="0"/>
-              </a:spcBef>
-              <a:buNone/>
-              <a:defRPr sz="1800" b="0" i="0" u="none" strike="noStrike" cap="none">
-                <a:solidFill>
-                  <a:schemeClr val="dk1"/>
-                </a:solidFill>
-                <a:latin typeface="Arial"/>
-                <a:ea typeface="Arial"/>
-                <a:cs typeface="Arial"/>
-                <a:sym typeface="Arial"/>
-              </a:defRPr>
-            </a:lvl8pPr>
-            <a:lvl9pPr marL="3657600" marR="0" lvl="8" indent="0" algn="l" rtl="0">
-              <a:spcBef>
-                <a:spcPts val="0"/>
-              </a:spcBef>
-              <a:buNone/>
-              <a:defRPr sz="1800" b="0" i="0" u="none" strike="noStrike" cap="none">
-                <a:solidFill>
-                  <a:schemeClr val="dk1"/>
-                </a:solidFill>
-                <a:latin typeface="Arial"/>
-                <a:ea typeface="Arial"/>
-                <a:cs typeface="Arial"/>
-                <a:sym typeface="Arial"/>
-              </a:defRPr>
-            </a:lvl9pPr>
-          </a:lstStyle>
-          <a:p>
-            <a:endParaRPr/>
-          </a:p>
-        </p:txBody>
-      </p:sp>
-      <p:sp>
-        <p:nvSpPr>
-          <p:cNvPr id="58" name="Shape 58"/>
-          <p:cNvSpPr txBox="1">
-            <a:spLocks noGrp="1"/>
-          </p:cNvSpPr>
-          <p:nvPr>
-            <p:ph type="ftr" idx="11"/>
-          </p:nvPr>
-        </p:nvSpPr>
-        <p:spPr>
-          <a:xfrm>
-            <a:off x="900112" y="6408737"/>
-            <a:ext cx="4895850" cy="179386"/>
-          </a:xfrm>
-          <a:prstGeom prst="rect">
-            <a:avLst/>
-          </a:prstGeom>
-          <a:noFill/>
-          <a:ln>
-            <a:noFill/>
-          </a:ln>
-        </p:spPr>
-        <p:txBody>
-          <a:bodyPr lIns="91425" tIns="91425" rIns="91425" bIns="91425" anchor="ctr" anchorCtr="0"/>
-          <a:lstStyle>
-            <a:lvl1pPr marL="0" marR="0" lvl="0" indent="0" algn="l" rtl="0">
-              <a:spcBef>
-                <a:spcPts val="0"/>
-              </a:spcBef>
-              <a:spcAft>
-                <a:spcPts val="0"/>
-              </a:spcAft>
-              <a:buNone/>
-              <a:defRPr sz="800">
-                <a:solidFill>
-                  <a:schemeClr val="accent1"/>
-                </a:solidFill>
-                <a:latin typeface="Arial"/>
-                <a:ea typeface="Arial"/>
-                <a:cs typeface="Arial"/>
-                <a:sym typeface="Arial"/>
-              </a:defRPr>
-            </a:lvl1pPr>
-            <a:lvl2pPr marL="457200" marR="0" lvl="1" indent="0" algn="l" rtl="0">
-              <a:spcBef>
-                <a:spcPts val="0"/>
-              </a:spcBef>
-              <a:spcAft>
-                <a:spcPts val="0"/>
-              </a:spcAft>
-              <a:buNone/>
-              <a:defRPr sz="1800" b="0" i="0" u="none" strike="noStrike" cap="none">
-                <a:solidFill>
-                  <a:schemeClr val="dk1"/>
-                </a:solidFill>
-                <a:latin typeface="Arial"/>
-                <a:ea typeface="Arial"/>
-                <a:cs typeface="Arial"/>
-                <a:sym typeface="Arial"/>
-              </a:defRPr>
-            </a:lvl2pPr>
-            <a:lvl3pPr marL="914400" marR="0" lvl="2" indent="0" algn="l" rtl="0">
-              <a:spcBef>
-                <a:spcPts val="0"/>
-              </a:spcBef>
-              <a:spcAft>
-                <a:spcPts val="0"/>
-              </a:spcAft>
-              <a:buNone/>
-              <a:defRPr sz="1800" b="0" i="0" u="none" strike="noStrike" cap="none">
-                <a:solidFill>
-                  <a:schemeClr val="dk1"/>
-                </a:solidFill>
-                <a:latin typeface="Arial"/>
-                <a:ea typeface="Arial"/>
-                <a:cs typeface="Arial"/>
-                <a:sym typeface="Arial"/>
-              </a:defRPr>
-            </a:lvl3pPr>
-            <a:lvl4pPr marL="1371600" marR="0" lvl="3" indent="0" algn="l" rtl="0">
-              <a:spcBef>
-                <a:spcPts val="0"/>
-              </a:spcBef>
-              <a:spcAft>
-                <a:spcPts val="0"/>
-              </a:spcAft>
-              <a:buNone/>
-              <a:defRPr sz="1800" b="0" i="0" u="none" strike="noStrike" cap="none">
-                <a:solidFill>
-                  <a:schemeClr val="dk1"/>
-                </a:solidFill>
-                <a:latin typeface="Arial"/>
-                <a:ea typeface="Arial"/>
-                <a:cs typeface="Arial"/>
-                <a:sym typeface="Arial"/>
-              </a:defRPr>
-            </a:lvl4pPr>
-            <a:lvl5pPr marL="1828800" marR="0" lvl="4" indent="0" algn="l" rtl="0">
-              <a:spcBef>
-                <a:spcPts val="0"/>
-              </a:spcBef>
-              <a:spcAft>
-                <a:spcPts val="0"/>
-              </a:spcAft>
-              <a:buNone/>
-              <a:defRPr sz="1800" b="0" i="0" u="none" strike="noStrike" cap="none">
-                <a:solidFill>
-                  <a:schemeClr val="dk1"/>
-                </a:solidFill>
-                <a:latin typeface="Arial"/>
-                <a:ea typeface="Arial"/>
-                <a:cs typeface="Arial"/>
-                <a:sym typeface="Arial"/>
-              </a:defRPr>
-            </a:lvl5pPr>
-            <a:lvl6pPr marL="2286000" marR="0" lvl="5" indent="0" algn="l" rtl="0">
-              <a:spcBef>
-                <a:spcPts val="0"/>
-              </a:spcBef>
-              <a:buNone/>
-              <a:defRPr sz="1800" b="0" i="0" u="none" strike="noStrike" cap="none">
-                <a:solidFill>
-                  <a:schemeClr val="dk1"/>
-                </a:solidFill>
-                <a:latin typeface="Arial"/>
-                <a:ea typeface="Arial"/>
-                <a:cs typeface="Arial"/>
-                <a:sym typeface="Arial"/>
-              </a:defRPr>
-            </a:lvl6pPr>
-            <a:lvl7pPr marL="2743200" marR="0" lvl="6" indent="0" algn="l" rtl="0">
-              <a:spcBef>
-                <a:spcPts val="0"/>
-              </a:spcBef>
-              <a:buNone/>
-              <a:defRPr sz="1800" b="0" i="0" u="none" strike="noStrike" cap="none">
-                <a:solidFill>
-                  <a:schemeClr val="dk1"/>
-                </a:solidFill>
-                <a:latin typeface="Arial"/>
-                <a:ea typeface="Arial"/>
-                <a:cs typeface="Arial"/>
-                <a:sym typeface="Arial"/>
-              </a:defRPr>
-            </a:lvl7pPr>
-            <a:lvl8pPr marL="3200400" marR="0" lvl="7" indent="0" algn="l" rtl="0">
-              <a:spcBef>
-                <a:spcPts val="0"/>
-              </a:spcBef>
-              <a:buNone/>
-              <a:defRPr sz="1800" b="0" i="0" u="none" strike="noStrike" cap="none">
-                <a:solidFill>
-                  <a:schemeClr val="dk1"/>
-                </a:solidFill>
-                <a:latin typeface="Arial"/>
-                <a:ea typeface="Arial"/>
-                <a:cs typeface="Arial"/>
-                <a:sym typeface="Arial"/>
-              </a:defRPr>
-            </a:lvl8pPr>
-            <a:lvl9pPr marL="3657600" marR="0" lvl="8" indent="0" algn="l" rtl="0">
-              <a:spcBef>
-                <a:spcPts val="0"/>
-              </a:spcBef>
-              <a:buNone/>
-              <a:defRPr sz="1800" b="0" i="0" u="none" strike="noStrike" cap="none">
-                <a:solidFill>
-                  <a:schemeClr val="dk1"/>
-                </a:solidFill>
-                <a:latin typeface="Arial"/>
-                <a:ea typeface="Arial"/>
-                <a:cs typeface="Arial"/>
-                <a:sym typeface="Arial"/>
-              </a:defRPr>
-            </a:lvl9pPr>
-          </a:lstStyle>
-          <a:p>
-            <a:endParaRPr/>
-          </a:p>
-        </p:txBody>
-      </p:sp>
-      <p:sp>
-        <p:nvSpPr>
-          <p:cNvPr id="59" name="Shape 59"/>
-          <p:cNvSpPr txBox="1">
-            <a:spLocks noGrp="1"/>
-          </p:cNvSpPr>
-          <p:nvPr>
-            <p:ph type="sldNum" idx="12"/>
-          </p:nvPr>
-        </p:nvSpPr>
-        <p:spPr>
-          <a:xfrm>
-            <a:off x="539750" y="6408737"/>
-            <a:ext cx="360363" cy="179386"/>
-          </a:xfrm>
-          <a:prstGeom prst="rect">
-            <a:avLst/>
-          </a:prstGeom>
-          <a:noFill/>
-          <a:ln>
-            <a:noFill/>
-          </a:ln>
-        </p:spPr>
-        <p:txBody>
-          <a:bodyPr lIns="0" tIns="0" rIns="0" bIns="0" anchor="ctr" anchorCtr="0">
-            <a:noAutofit/>
-          </a:bodyPr>
-          <a:lstStyle/>
-          <a:p>
-            <a:pPr marL="0" marR="0" lvl="0" indent="0" algn="l" rtl="0">
-              <a:spcBef>
-                <a:spcPts val="0"/>
-              </a:spcBef>
-              <a:spcAft>
-                <a:spcPts val="0"/>
-              </a:spcAft>
-              <a:buSzPct val="25000"/>
-              <a:buNone/>
-            </a:pPr>
-            <a:fld id="{00000000-1234-1234-1234-123412341234}" type="slidenum">
-              <a:rPr lang="en-US" sz="800">
-                <a:solidFill>
-                  <a:schemeClr val="dk1"/>
-                </a:solidFill>
-                <a:latin typeface="Arial"/>
-                <a:ea typeface="Arial"/>
-                <a:cs typeface="Arial"/>
-                <a:sym typeface="Arial"/>
-              </a:rPr>
-              <a:t>‹#›</a:t>
-            </a:fld>
-            <a:endParaRPr lang="en-US" sz="800">
-              <a:solidFill>
-                <a:schemeClr val="dk1"/>
-              </a:solidFill>
-              <a:latin typeface="Arial"/>
-              <a:ea typeface="Arial"/>
-              <a:cs typeface="Arial"/>
-              <a:sym typeface="Arial"/>
-            </a:endParaRPr>
-          </a:p>
-        </p:txBody>
-      </p:sp>
-    </p:spTree>
-  </p:cSld>
-  <p:clrMapOvr>
-    <a:masterClrMapping/>
-  </p:clrMapOvr>
-</p:sldLayout>
-</file>
-
-<file path=ppt/slideLayouts/slideLayout3.xml><?xml version="1.0" encoding="utf-8"?>
 <p:sldLayout xmlns:a="http://schemas.openxmlformats.org/drawingml/2006/main" xmlns:r="http://schemas.openxmlformats.org/officeDocument/2006/relationships" xmlns:p="http://schemas.openxmlformats.org/presentationml/2006/main">
   <p:cSld name="Content Only">
     <p:spTree>
@@ -3798,7 +3349,7 @@
 </p:sldLayout>
 </file>
 
-<file path=ppt/slideLayouts/slideLayout4.xml><?xml version="1.0" encoding="utf-8"?>
+<file path=ppt/slideLayouts/slideLayout3.xml><?xml version="1.0" encoding="utf-8"?>
 <p:sldLayout xmlns:a="http://schemas.openxmlformats.org/drawingml/2006/main" xmlns:r="http://schemas.openxmlformats.org/officeDocument/2006/relationships" xmlns:p="http://schemas.openxmlformats.org/presentationml/2006/main" type="title">
   <p:cSld name="Titelfolie">
     <p:spTree>
@@ -4677,653 +4228,7 @@
 </p:sldLayout>
 </file>
 
-<file path=ppt/slideLayouts/slideLayout5.xml><?xml version="1.0" encoding="utf-8"?>
-<p:sldLayout xmlns:a="http://schemas.openxmlformats.org/drawingml/2006/main" xmlns:r="http://schemas.openxmlformats.org/officeDocument/2006/relationships" xmlns:p="http://schemas.openxmlformats.org/presentationml/2006/main">
-  <p:cSld name="Custom Layout">
-    <p:spTree>
-      <p:nvGrpSpPr>
-        <p:cNvPr id="1" name="Shape 71"/>
-        <p:cNvGrpSpPr/>
-        <p:nvPr/>
-      </p:nvGrpSpPr>
-      <p:grpSpPr>
-        <a:xfrm>
-          <a:off x="0" y="0"/>
-          <a:ext cx="0" cy="0"/>
-          <a:chOff x="0" y="0"/>
-          <a:chExt cx="0" cy="0"/>
-        </a:xfrm>
-      </p:grpSpPr>
-      <p:sp>
-        <p:nvSpPr>
-          <p:cNvPr id="72" name="Shape 72"/>
-          <p:cNvSpPr txBox="1">
-            <a:spLocks noGrp="1"/>
-          </p:cNvSpPr>
-          <p:nvPr>
-            <p:ph type="title"/>
-          </p:nvPr>
-        </p:nvSpPr>
-        <p:spPr>
-          <a:xfrm>
-            <a:off x="539750" y="539750"/>
-            <a:ext cx="8064499" cy="360363"/>
-          </a:xfrm>
-          <a:prstGeom prst="rect">
-            <a:avLst/>
-          </a:prstGeom>
-          <a:noFill/>
-          <a:ln>
-            <a:noFill/>
-          </a:ln>
-        </p:spPr>
-        <p:txBody>
-          <a:bodyPr lIns="91425" tIns="91425" rIns="91425" bIns="91425" anchor="t" anchorCtr="0"/>
-          <a:lstStyle>
-            <a:lvl1pPr marL="0" marR="0" lvl="0" indent="0" algn="l" rtl="0">
-              <a:spcBef>
-                <a:spcPts val="0"/>
-              </a:spcBef>
-              <a:spcAft>
-                <a:spcPts val="0"/>
-              </a:spcAft>
-              <a:buNone/>
-              <a:defRPr sz="2800" b="0" i="0" u="none" strike="noStrike" cap="none">
-                <a:solidFill>
-                  <a:schemeClr val="dk1"/>
-                </a:solidFill>
-                <a:latin typeface="Arial"/>
-                <a:ea typeface="Arial"/>
-                <a:cs typeface="Arial"/>
-                <a:sym typeface="Arial"/>
-              </a:defRPr>
-            </a:lvl1pPr>
-            <a:lvl2pPr marL="0" marR="0" lvl="1" indent="0" algn="l" rtl="0">
-              <a:spcBef>
-                <a:spcPts val="0"/>
-              </a:spcBef>
-              <a:spcAft>
-                <a:spcPts val="0"/>
-              </a:spcAft>
-              <a:buNone/>
-              <a:defRPr sz="2800" b="0" i="0" u="none" strike="noStrike" cap="none">
-                <a:solidFill>
-                  <a:schemeClr val="dk1"/>
-                </a:solidFill>
-                <a:latin typeface="Arial"/>
-                <a:ea typeface="Arial"/>
-                <a:cs typeface="Arial"/>
-                <a:sym typeface="Arial"/>
-              </a:defRPr>
-            </a:lvl2pPr>
-            <a:lvl3pPr marL="0" marR="0" lvl="2" indent="0" algn="l" rtl="0">
-              <a:spcBef>
-                <a:spcPts val="0"/>
-              </a:spcBef>
-              <a:spcAft>
-                <a:spcPts val="0"/>
-              </a:spcAft>
-              <a:buNone/>
-              <a:defRPr sz="2800" b="0" i="0" u="none" strike="noStrike" cap="none">
-                <a:solidFill>
-                  <a:schemeClr val="dk1"/>
-                </a:solidFill>
-                <a:latin typeface="Arial"/>
-                <a:ea typeface="Arial"/>
-                <a:cs typeface="Arial"/>
-                <a:sym typeface="Arial"/>
-              </a:defRPr>
-            </a:lvl3pPr>
-            <a:lvl4pPr marL="0" marR="0" lvl="3" indent="0" algn="l" rtl="0">
-              <a:spcBef>
-                <a:spcPts val="0"/>
-              </a:spcBef>
-              <a:spcAft>
-                <a:spcPts val="0"/>
-              </a:spcAft>
-              <a:buNone/>
-              <a:defRPr sz="2800" b="0" i="0" u="none" strike="noStrike" cap="none">
-                <a:solidFill>
-                  <a:schemeClr val="dk1"/>
-                </a:solidFill>
-                <a:latin typeface="Arial"/>
-                <a:ea typeface="Arial"/>
-                <a:cs typeface="Arial"/>
-                <a:sym typeface="Arial"/>
-              </a:defRPr>
-            </a:lvl4pPr>
-            <a:lvl5pPr marL="0" marR="0" lvl="4" indent="0" algn="l" rtl="0">
-              <a:spcBef>
-                <a:spcPts val="0"/>
-              </a:spcBef>
-              <a:spcAft>
-                <a:spcPts val="0"/>
-              </a:spcAft>
-              <a:buNone/>
-              <a:defRPr sz="2800" b="0" i="0" u="none" strike="noStrike" cap="none">
-                <a:solidFill>
-                  <a:schemeClr val="dk1"/>
-                </a:solidFill>
-                <a:latin typeface="Arial"/>
-                <a:ea typeface="Arial"/>
-                <a:cs typeface="Arial"/>
-                <a:sym typeface="Arial"/>
-              </a:defRPr>
-            </a:lvl5pPr>
-            <a:lvl6pPr marL="457200" marR="0" lvl="5" indent="0" algn="l" rtl="0">
-              <a:spcBef>
-                <a:spcPts val="0"/>
-              </a:spcBef>
-              <a:spcAft>
-                <a:spcPts val="0"/>
-              </a:spcAft>
-              <a:buNone/>
-              <a:defRPr sz="2800" b="0" i="0" u="none" strike="noStrike" cap="none">
-                <a:solidFill>
-                  <a:schemeClr val="dk1"/>
-                </a:solidFill>
-                <a:latin typeface="Arial"/>
-                <a:ea typeface="Arial"/>
-                <a:cs typeface="Arial"/>
-                <a:sym typeface="Arial"/>
-              </a:defRPr>
-            </a:lvl6pPr>
-            <a:lvl7pPr marL="914400" marR="0" lvl="6" indent="0" algn="l" rtl="0">
-              <a:spcBef>
-                <a:spcPts val="0"/>
-              </a:spcBef>
-              <a:spcAft>
-                <a:spcPts val="0"/>
-              </a:spcAft>
-              <a:buNone/>
-              <a:defRPr sz="2800" b="0" i="0" u="none" strike="noStrike" cap="none">
-                <a:solidFill>
-                  <a:schemeClr val="dk1"/>
-                </a:solidFill>
-                <a:latin typeface="Arial"/>
-                <a:ea typeface="Arial"/>
-                <a:cs typeface="Arial"/>
-                <a:sym typeface="Arial"/>
-              </a:defRPr>
-            </a:lvl7pPr>
-            <a:lvl8pPr marL="1371600" marR="0" lvl="7" indent="0" algn="l" rtl="0">
-              <a:spcBef>
-                <a:spcPts val="0"/>
-              </a:spcBef>
-              <a:spcAft>
-                <a:spcPts val="0"/>
-              </a:spcAft>
-              <a:buNone/>
-              <a:defRPr sz="2800" b="0" i="0" u="none" strike="noStrike" cap="none">
-                <a:solidFill>
-                  <a:schemeClr val="dk1"/>
-                </a:solidFill>
-                <a:latin typeface="Arial"/>
-                <a:ea typeface="Arial"/>
-                <a:cs typeface="Arial"/>
-                <a:sym typeface="Arial"/>
-              </a:defRPr>
-            </a:lvl8pPr>
-            <a:lvl9pPr marL="1828800" marR="0" lvl="8" indent="0" algn="l" rtl="0">
-              <a:spcBef>
-                <a:spcPts val="0"/>
-              </a:spcBef>
-              <a:spcAft>
-                <a:spcPts val="0"/>
-              </a:spcAft>
-              <a:buNone/>
-              <a:defRPr sz="2800" b="0" i="0" u="none" strike="noStrike" cap="none">
-                <a:solidFill>
-                  <a:schemeClr val="dk1"/>
-                </a:solidFill>
-                <a:latin typeface="Arial"/>
-                <a:ea typeface="Arial"/>
-                <a:cs typeface="Arial"/>
-                <a:sym typeface="Arial"/>
-              </a:defRPr>
-            </a:lvl9pPr>
-          </a:lstStyle>
-          <a:p>
-            <a:endParaRPr/>
-          </a:p>
-        </p:txBody>
-      </p:sp>
-      <p:sp>
-        <p:nvSpPr>
-          <p:cNvPr id="73" name="Shape 73"/>
-          <p:cNvSpPr txBox="1">
-            <a:spLocks noGrp="1"/>
-          </p:cNvSpPr>
-          <p:nvPr>
-            <p:ph type="dt" idx="10"/>
-          </p:nvPr>
-        </p:nvSpPr>
-        <p:spPr>
-          <a:xfrm>
-            <a:off x="5821362" y="6408737"/>
-            <a:ext cx="1619249" cy="179386"/>
-          </a:xfrm>
-          <a:prstGeom prst="rect">
-            <a:avLst/>
-          </a:prstGeom>
-          <a:noFill/>
-          <a:ln>
-            <a:noFill/>
-          </a:ln>
-        </p:spPr>
-        <p:txBody>
-          <a:bodyPr lIns="91425" tIns="91425" rIns="91425" bIns="91425" anchor="ctr" anchorCtr="0"/>
-          <a:lstStyle>
-            <a:lvl1pPr marL="0" marR="0" lvl="0" indent="0" algn="r" rtl="0">
-              <a:spcBef>
-                <a:spcPts val="0"/>
-              </a:spcBef>
-              <a:spcAft>
-                <a:spcPts val="0"/>
-              </a:spcAft>
-              <a:buNone/>
-              <a:defRPr sz="800">
-                <a:solidFill>
-                  <a:schemeClr val="accent1"/>
-                </a:solidFill>
-                <a:latin typeface="Arial"/>
-                <a:ea typeface="Arial"/>
-                <a:cs typeface="Arial"/>
-                <a:sym typeface="Arial"/>
-              </a:defRPr>
-            </a:lvl1pPr>
-            <a:lvl2pPr marL="457200" marR="0" lvl="1" indent="0" algn="l" rtl="0">
-              <a:spcBef>
-                <a:spcPts val="0"/>
-              </a:spcBef>
-              <a:spcAft>
-                <a:spcPts val="0"/>
-              </a:spcAft>
-              <a:buNone/>
-              <a:defRPr sz="1800" b="0" i="0" u="none" strike="noStrike" cap="none">
-                <a:solidFill>
-                  <a:schemeClr val="dk1"/>
-                </a:solidFill>
-                <a:latin typeface="Arial"/>
-                <a:ea typeface="Arial"/>
-                <a:cs typeface="Arial"/>
-                <a:sym typeface="Arial"/>
-              </a:defRPr>
-            </a:lvl2pPr>
-            <a:lvl3pPr marL="914400" marR="0" lvl="2" indent="0" algn="l" rtl="0">
-              <a:spcBef>
-                <a:spcPts val="0"/>
-              </a:spcBef>
-              <a:spcAft>
-                <a:spcPts val="0"/>
-              </a:spcAft>
-              <a:buNone/>
-              <a:defRPr sz="1800" b="0" i="0" u="none" strike="noStrike" cap="none">
-                <a:solidFill>
-                  <a:schemeClr val="dk1"/>
-                </a:solidFill>
-                <a:latin typeface="Arial"/>
-                <a:ea typeface="Arial"/>
-                <a:cs typeface="Arial"/>
-                <a:sym typeface="Arial"/>
-              </a:defRPr>
-            </a:lvl3pPr>
-            <a:lvl4pPr marL="1371600" marR="0" lvl="3" indent="0" algn="l" rtl="0">
-              <a:spcBef>
-                <a:spcPts val="0"/>
-              </a:spcBef>
-              <a:spcAft>
-                <a:spcPts val="0"/>
-              </a:spcAft>
-              <a:buNone/>
-              <a:defRPr sz="1800" b="0" i="0" u="none" strike="noStrike" cap="none">
-                <a:solidFill>
-                  <a:schemeClr val="dk1"/>
-                </a:solidFill>
-                <a:latin typeface="Arial"/>
-                <a:ea typeface="Arial"/>
-                <a:cs typeface="Arial"/>
-                <a:sym typeface="Arial"/>
-              </a:defRPr>
-            </a:lvl4pPr>
-            <a:lvl5pPr marL="1828800" marR="0" lvl="4" indent="0" algn="l" rtl="0">
-              <a:spcBef>
-                <a:spcPts val="0"/>
-              </a:spcBef>
-              <a:spcAft>
-                <a:spcPts val="0"/>
-              </a:spcAft>
-              <a:buNone/>
-              <a:defRPr sz="1800" b="0" i="0" u="none" strike="noStrike" cap="none">
-                <a:solidFill>
-                  <a:schemeClr val="dk1"/>
-                </a:solidFill>
-                <a:latin typeface="Arial"/>
-                <a:ea typeface="Arial"/>
-                <a:cs typeface="Arial"/>
-                <a:sym typeface="Arial"/>
-              </a:defRPr>
-            </a:lvl5pPr>
-            <a:lvl6pPr marL="2286000" marR="0" lvl="5" indent="0" algn="l" rtl="0">
-              <a:spcBef>
-                <a:spcPts val="0"/>
-              </a:spcBef>
-              <a:buNone/>
-              <a:defRPr sz="1800" b="0" i="0" u="none" strike="noStrike" cap="none">
-                <a:solidFill>
-                  <a:schemeClr val="dk1"/>
-                </a:solidFill>
-                <a:latin typeface="Arial"/>
-                <a:ea typeface="Arial"/>
-                <a:cs typeface="Arial"/>
-                <a:sym typeface="Arial"/>
-              </a:defRPr>
-            </a:lvl6pPr>
-            <a:lvl7pPr marL="2743200" marR="0" lvl="6" indent="0" algn="l" rtl="0">
-              <a:spcBef>
-                <a:spcPts val="0"/>
-              </a:spcBef>
-              <a:buNone/>
-              <a:defRPr sz="1800" b="0" i="0" u="none" strike="noStrike" cap="none">
-                <a:solidFill>
-                  <a:schemeClr val="dk1"/>
-                </a:solidFill>
-                <a:latin typeface="Arial"/>
-                <a:ea typeface="Arial"/>
-                <a:cs typeface="Arial"/>
-                <a:sym typeface="Arial"/>
-              </a:defRPr>
-            </a:lvl7pPr>
-            <a:lvl8pPr marL="3200400" marR="0" lvl="7" indent="0" algn="l" rtl="0">
-              <a:spcBef>
-                <a:spcPts val="0"/>
-              </a:spcBef>
-              <a:buNone/>
-              <a:defRPr sz="1800" b="0" i="0" u="none" strike="noStrike" cap="none">
-                <a:solidFill>
-                  <a:schemeClr val="dk1"/>
-                </a:solidFill>
-                <a:latin typeface="Arial"/>
-                <a:ea typeface="Arial"/>
-                <a:cs typeface="Arial"/>
-                <a:sym typeface="Arial"/>
-              </a:defRPr>
-            </a:lvl8pPr>
-            <a:lvl9pPr marL="3657600" marR="0" lvl="8" indent="0" algn="l" rtl="0">
-              <a:spcBef>
-                <a:spcPts val="0"/>
-              </a:spcBef>
-              <a:buNone/>
-              <a:defRPr sz="1800" b="0" i="0" u="none" strike="noStrike" cap="none">
-                <a:solidFill>
-                  <a:schemeClr val="dk1"/>
-                </a:solidFill>
-                <a:latin typeface="Arial"/>
-                <a:ea typeface="Arial"/>
-                <a:cs typeface="Arial"/>
-                <a:sym typeface="Arial"/>
-              </a:defRPr>
-            </a:lvl9pPr>
-          </a:lstStyle>
-          <a:p>
-            <a:endParaRPr/>
-          </a:p>
-        </p:txBody>
-      </p:sp>
-      <p:sp>
-        <p:nvSpPr>
-          <p:cNvPr id="74" name="Shape 74"/>
-          <p:cNvSpPr txBox="1">
-            <a:spLocks noGrp="1"/>
-          </p:cNvSpPr>
-          <p:nvPr>
-            <p:ph type="ftr" idx="11"/>
-          </p:nvPr>
-        </p:nvSpPr>
-        <p:spPr>
-          <a:xfrm>
-            <a:off x="900112" y="6408737"/>
-            <a:ext cx="4895850" cy="179386"/>
-          </a:xfrm>
-          <a:prstGeom prst="rect">
-            <a:avLst/>
-          </a:prstGeom>
-          <a:noFill/>
-          <a:ln>
-            <a:noFill/>
-          </a:ln>
-        </p:spPr>
-        <p:txBody>
-          <a:bodyPr lIns="91425" tIns="91425" rIns="91425" bIns="91425" anchor="ctr" anchorCtr="0"/>
-          <a:lstStyle>
-            <a:lvl1pPr marL="0" marR="0" lvl="0" indent="0" algn="l" rtl="0">
-              <a:spcBef>
-                <a:spcPts val="0"/>
-              </a:spcBef>
-              <a:spcAft>
-                <a:spcPts val="0"/>
-              </a:spcAft>
-              <a:buNone/>
-              <a:defRPr sz="800">
-                <a:solidFill>
-                  <a:schemeClr val="accent1"/>
-                </a:solidFill>
-                <a:latin typeface="Arial"/>
-                <a:ea typeface="Arial"/>
-                <a:cs typeface="Arial"/>
-                <a:sym typeface="Arial"/>
-              </a:defRPr>
-            </a:lvl1pPr>
-            <a:lvl2pPr marL="457200" marR="0" lvl="1" indent="0" algn="l" rtl="0">
-              <a:spcBef>
-                <a:spcPts val="0"/>
-              </a:spcBef>
-              <a:spcAft>
-                <a:spcPts val="0"/>
-              </a:spcAft>
-              <a:buNone/>
-              <a:defRPr sz="1800" b="0" i="0" u="none" strike="noStrike" cap="none">
-                <a:solidFill>
-                  <a:schemeClr val="dk1"/>
-                </a:solidFill>
-                <a:latin typeface="Arial"/>
-                <a:ea typeface="Arial"/>
-                <a:cs typeface="Arial"/>
-                <a:sym typeface="Arial"/>
-              </a:defRPr>
-            </a:lvl2pPr>
-            <a:lvl3pPr marL="914400" marR="0" lvl="2" indent="0" algn="l" rtl="0">
-              <a:spcBef>
-                <a:spcPts val="0"/>
-              </a:spcBef>
-              <a:spcAft>
-                <a:spcPts val="0"/>
-              </a:spcAft>
-              <a:buNone/>
-              <a:defRPr sz="1800" b="0" i="0" u="none" strike="noStrike" cap="none">
-                <a:solidFill>
-                  <a:schemeClr val="dk1"/>
-                </a:solidFill>
-                <a:latin typeface="Arial"/>
-                <a:ea typeface="Arial"/>
-                <a:cs typeface="Arial"/>
-                <a:sym typeface="Arial"/>
-              </a:defRPr>
-            </a:lvl3pPr>
-            <a:lvl4pPr marL="1371600" marR="0" lvl="3" indent="0" algn="l" rtl="0">
-              <a:spcBef>
-                <a:spcPts val="0"/>
-              </a:spcBef>
-              <a:spcAft>
-                <a:spcPts val="0"/>
-              </a:spcAft>
-              <a:buNone/>
-              <a:defRPr sz="1800" b="0" i="0" u="none" strike="noStrike" cap="none">
-                <a:solidFill>
-                  <a:schemeClr val="dk1"/>
-                </a:solidFill>
-                <a:latin typeface="Arial"/>
-                <a:ea typeface="Arial"/>
-                <a:cs typeface="Arial"/>
-                <a:sym typeface="Arial"/>
-              </a:defRPr>
-            </a:lvl4pPr>
-            <a:lvl5pPr marL="1828800" marR="0" lvl="4" indent="0" algn="l" rtl="0">
-              <a:spcBef>
-                <a:spcPts val="0"/>
-              </a:spcBef>
-              <a:spcAft>
-                <a:spcPts val="0"/>
-              </a:spcAft>
-              <a:buNone/>
-              <a:defRPr sz="1800" b="0" i="0" u="none" strike="noStrike" cap="none">
-                <a:solidFill>
-                  <a:schemeClr val="dk1"/>
-                </a:solidFill>
-                <a:latin typeface="Arial"/>
-                <a:ea typeface="Arial"/>
-                <a:cs typeface="Arial"/>
-                <a:sym typeface="Arial"/>
-              </a:defRPr>
-            </a:lvl5pPr>
-            <a:lvl6pPr marL="2286000" marR="0" lvl="5" indent="0" algn="l" rtl="0">
-              <a:spcBef>
-                <a:spcPts val="0"/>
-              </a:spcBef>
-              <a:buNone/>
-              <a:defRPr sz="1800" b="0" i="0" u="none" strike="noStrike" cap="none">
-                <a:solidFill>
-                  <a:schemeClr val="dk1"/>
-                </a:solidFill>
-                <a:latin typeface="Arial"/>
-                <a:ea typeface="Arial"/>
-                <a:cs typeface="Arial"/>
-                <a:sym typeface="Arial"/>
-              </a:defRPr>
-            </a:lvl6pPr>
-            <a:lvl7pPr marL="2743200" marR="0" lvl="6" indent="0" algn="l" rtl="0">
-              <a:spcBef>
-                <a:spcPts val="0"/>
-              </a:spcBef>
-              <a:buNone/>
-              <a:defRPr sz="1800" b="0" i="0" u="none" strike="noStrike" cap="none">
-                <a:solidFill>
-                  <a:schemeClr val="dk1"/>
-                </a:solidFill>
-                <a:latin typeface="Arial"/>
-                <a:ea typeface="Arial"/>
-                <a:cs typeface="Arial"/>
-                <a:sym typeface="Arial"/>
-              </a:defRPr>
-            </a:lvl7pPr>
-            <a:lvl8pPr marL="3200400" marR="0" lvl="7" indent="0" algn="l" rtl="0">
-              <a:spcBef>
-                <a:spcPts val="0"/>
-              </a:spcBef>
-              <a:buNone/>
-              <a:defRPr sz="1800" b="0" i="0" u="none" strike="noStrike" cap="none">
-                <a:solidFill>
-                  <a:schemeClr val="dk1"/>
-                </a:solidFill>
-                <a:latin typeface="Arial"/>
-                <a:ea typeface="Arial"/>
-                <a:cs typeface="Arial"/>
-                <a:sym typeface="Arial"/>
-              </a:defRPr>
-            </a:lvl8pPr>
-            <a:lvl9pPr marL="3657600" marR="0" lvl="8" indent="0" algn="l" rtl="0">
-              <a:spcBef>
-                <a:spcPts val="0"/>
-              </a:spcBef>
-              <a:buNone/>
-              <a:defRPr sz="1800" b="0" i="0" u="none" strike="noStrike" cap="none">
-                <a:solidFill>
-                  <a:schemeClr val="dk1"/>
-                </a:solidFill>
-                <a:latin typeface="Arial"/>
-                <a:ea typeface="Arial"/>
-                <a:cs typeface="Arial"/>
-                <a:sym typeface="Arial"/>
-              </a:defRPr>
-            </a:lvl9pPr>
-          </a:lstStyle>
-          <a:p>
-            <a:endParaRPr/>
-          </a:p>
-        </p:txBody>
-      </p:sp>
-      <p:sp>
-        <p:nvSpPr>
-          <p:cNvPr id="75" name="Shape 75"/>
-          <p:cNvSpPr txBox="1">
-            <a:spLocks noGrp="1"/>
-          </p:cNvSpPr>
-          <p:nvPr>
-            <p:ph type="sldNum" idx="12"/>
-          </p:nvPr>
-        </p:nvSpPr>
-        <p:spPr>
-          <a:xfrm>
-            <a:off x="539750" y="6408737"/>
-            <a:ext cx="360363" cy="179386"/>
-          </a:xfrm>
-          <a:prstGeom prst="rect">
-            <a:avLst/>
-          </a:prstGeom>
-          <a:noFill/>
-          <a:ln>
-            <a:noFill/>
-          </a:ln>
-        </p:spPr>
-        <p:txBody>
-          <a:bodyPr lIns="0" tIns="0" rIns="0" bIns="0" anchor="ctr" anchorCtr="0">
-            <a:noAutofit/>
-          </a:bodyPr>
-          <a:lstStyle/>
-          <a:p>
-            <a:pPr marL="0" marR="0" lvl="0" indent="0" algn="l" rtl="0">
-              <a:spcBef>
-                <a:spcPts val="0"/>
-              </a:spcBef>
-              <a:spcAft>
-                <a:spcPts val="0"/>
-              </a:spcAft>
-              <a:buSzPct val="25000"/>
-              <a:buNone/>
-            </a:pPr>
-            <a:fld id="{00000000-1234-1234-1234-123412341234}" type="slidenum">
-              <a:rPr lang="en-US" sz="800">
-                <a:solidFill>
-                  <a:schemeClr val="dk1"/>
-                </a:solidFill>
-                <a:latin typeface="Arial"/>
-                <a:ea typeface="Arial"/>
-                <a:cs typeface="Arial"/>
-                <a:sym typeface="Arial"/>
-              </a:rPr>
-              <a:t>‹#›</a:t>
-            </a:fld>
-            <a:endParaRPr lang="en-US" sz="800">
-              <a:solidFill>
-                <a:schemeClr val="dk1"/>
-              </a:solidFill>
-              <a:latin typeface="Arial"/>
-              <a:ea typeface="Arial"/>
-              <a:cs typeface="Arial"/>
-              <a:sym typeface="Arial"/>
-            </a:endParaRPr>
-          </a:p>
-        </p:txBody>
-      </p:sp>
-    </p:spTree>
-  </p:cSld>
-  <p:clrMapOvr>
-    <a:masterClrMapping/>
-  </p:clrMapOvr>
-</p:sldLayout>
-</file>
-
-<file path=ppt/slideLayouts/slideLayout6.xml><?xml version="1.0" encoding="utf-8"?>
+<file path=ppt/slideLayouts/slideLayout4.xml><?xml version="1.0" encoding="utf-8"?>
 <p:sldLayout xmlns:a="http://schemas.openxmlformats.org/drawingml/2006/main" xmlns:r="http://schemas.openxmlformats.org/officeDocument/2006/relationships" xmlns:p="http://schemas.openxmlformats.org/presentationml/2006/main" userDrawn="1">
   <p:cSld name="Titel und Inhalt">
     <p:spTree>
@@ -5623,7 +4528,7 @@
 </p:sldLayout>
 </file>
 
-<file path=ppt/slideLayouts/slideLayout7.xml><?xml version="1.0" encoding="utf-8"?>
+<file path=ppt/slideLayouts/slideLayout5.xml><?xml version="1.0" encoding="utf-8"?>
 <p:sldLayout xmlns:a="http://schemas.openxmlformats.org/drawingml/2006/main" xmlns:r="http://schemas.openxmlformats.org/officeDocument/2006/relationships" xmlns:p="http://schemas.openxmlformats.org/presentationml/2006/main" type="obj">
   <p:cSld name="Title and Content">
     <p:spTree>
@@ -6255,7 +5160,7 @@
           <p:nvPr/>
         </p:nvPicPr>
         <p:blipFill rotWithShape="1">
-          <a:blip r:embed="rId9">
+          <a:blip r:embed="rId7">
             <a:alphaModFix/>
           </a:blip>
           <a:srcRect/>
@@ -6716,12 +5621,10 @@
   <p:clrMap bg1="lt1" tx1="dk1" bg2="dk2" tx2="lt2" accent1="accent1" accent2="accent2" accent3="accent3" accent4="accent4" accent5="accent5" accent6="accent6" hlink="hlink" folHlink="folHlink"/>
   <p:sldLayoutIdLst>
     <p:sldLayoutId id="2147483648" r:id="rId1"/>
-    <p:sldLayoutId id="2147483653" r:id="rId2"/>
-    <p:sldLayoutId id="2147483654" r:id="rId3"/>
-    <p:sldLayoutId id="2147483655" r:id="rId4"/>
-    <p:sldLayoutId id="2147483656" r:id="rId5"/>
-    <p:sldLayoutId id="2147483658" r:id="rId6"/>
-    <p:sldLayoutId id="2147483659" r:id="rId7"/>
+    <p:sldLayoutId id="2147483654" r:id="rId2"/>
+    <p:sldLayoutId id="2147483655" r:id="rId3"/>
+    <p:sldLayoutId id="2147483658" r:id="rId4"/>
+    <p:sldLayoutId id="2147483659" r:id="rId5"/>
   </p:sldLayoutIdLst>
   <p:hf hdr="0" ftr="0" dt="0"/>
   <p:txStyles>
@@ -7301,8 +6204,12 @@
           <a:lstStyle/>
           <a:p>
             <a:r>
+              <a:rPr lang="de-DE" sz="1600" dirty="0" err="1" smtClean="0"/>
+              <a:t>October</a:t>
+            </a:r>
+            <a:r>
               <a:rPr lang="de-DE" sz="1600" dirty="0" smtClean="0"/>
-              <a:t>September 20, </a:t>
+              <a:t> 6, </a:t>
             </a:r>
             <a:r>
               <a:rPr lang="de-DE" sz="1600" dirty="0" smtClean="0"/>
@@ -7604,8 +6511,8 @@
           <a:lstStyle/>
           <a:p>
             <a:r>
-              <a:rPr lang="en-US" dirty="0" smtClean="0"/>
-              <a:t>Purpose of EARS-CTRL</a:t>
+              <a:rPr lang="en-US" dirty="0" err="1" smtClean="0"/>
+              <a:t>MPS@fortiss</a:t>
             </a:r>
             <a:endParaRPr lang="en-US" dirty="0"/>
           </a:p>
@@ -7626,46 +6533,94 @@
           <a:bodyPr/>
           <a:lstStyle/>
           <a:p>
-            <a:endParaRPr lang="en-US" sz="2200" dirty="0" smtClean="0"/>
-          </a:p>
-          <a:p>
-            <a:r>
-              <a:rPr lang="en-US" sz="2200" dirty="0" smtClean="0"/>
-              <a:t>A </a:t>
-            </a:r>
-            <a:r>
-              <a:rPr lang="en-US" sz="2200" i="1" dirty="0" smtClean="0"/>
-              <a:t>push-button approach </a:t>
-            </a:r>
-            <a:r>
-              <a:rPr lang="en-US" sz="2200" dirty="0" smtClean="0"/>
-              <a:t>for directly generating software controllers from requirements written in English</a:t>
-            </a:r>
-          </a:p>
-          <a:p>
-            <a:endParaRPr lang="en-US" sz="2200" dirty="0" smtClean="0"/>
-          </a:p>
-          <a:p>
-            <a:r>
-              <a:rPr lang="en-US" sz="2200" dirty="0" smtClean="0"/>
-              <a:t>A </a:t>
-            </a:r>
-            <a:r>
-              <a:rPr lang="en-US" sz="2200" i="1" dirty="0" smtClean="0"/>
-              <a:t>push-button approach </a:t>
-            </a:r>
-            <a:r>
-              <a:rPr lang="en-US" sz="2200" dirty="0" smtClean="0"/>
-              <a:t>for verifying the produced controllers are correct</a:t>
-            </a:r>
-            <a:endParaRPr lang="en-US" sz="2200" dirty="0"/>
+            <a:r>
+              <a:rPr lang="en-US" dirty="0" err="1"/>
+              <a:t>f</a:t>
+            </a:r>
+            <a:r>
+              <a:rPr lang="en-US" dirty="0" err="1" smtClean="0"/>
+              <a:t>ortiss</a:t>
+            </a:r>
+            <a:r>
+              <a:rPr lang="en-US" dirty="0" smtClean="0"/>
+              <a:t>: research + transfer + consulting</a:t>
+            </a:r>
+          </a:p>
+          <a:p>
+            <a:r>
+              <a:rPr lang="en-US" dirty="0" smtClean="0"/>
+              <a:t>3 people team, parallel and synergic work with </a:t>
+            </a:r>
+            <a:r>
+              <a:rPr lang="en-US" dirty="0" err="1" smtClean="0"/>
+              <a:t>AutoFOCUS</a:t>
+            </a:r>
+            <a:r>
+              <a:rPr lang="en-US" dirty="0" smtClean="0"/>
+              <a:t> (Eclipse-based)</a:t>
+            </a:r>
+          </a:p>
+          <a:p>
+            <a:r>
+              <a:rPr lang="en-US" dirty="0" smtClean="0"/>
+              <a:t>Currently IETS3 project, trying to branch out</a:t>
+            </a:r>
+          </a:p>
+          <a:p>
+            <a:r>
+              <a:rPr lang="en-US" dirty="0" smtClean="0"/>
+              <a:t>Raising awareness about MPS in industry and academia</a:t>
+            </a:r>
+          </a:p>
+          <a:p>
+            <a:pPr lvl="1"/>
+            <a:r>
+              <a:rPr lang="en-US" dirty="0" smtClean="0"/>
+              <a:t>Academic projects (PhD thesis)</a:t>
+            </a:r>
+          </a:p>
+          <a:p>
+            <a:pPr lvl="1"/>
+            <a:r>
+              <a:rPr lang="en-US" dirty="0" smtClean="0"/>
+              <a:t>Industrial collaboration with Rolls-Royce</a:t>
+            </a:r>
+          </a:p>
+          <a:p>
+            <a:endParaRPr lang="en-US" dirty="0" smtClean="0"/>
+          </a:p>
+          <a:p>
+            <a:endParaRPr lang="en-US" dirty="0"/>
+          </a:p>
+        </p:txBody>
+      </p:sp>
+      <p:sp>
+        <p:nvSpPr>
+          <p:cNvPr id="4" name="Slide Number Placeholder 3"/>
+          <p:cNvSpPr>
+            <a:spLocks noGrp="1"/>
+          </p:cNvSpPr>
+          <p:nvPr>
+            <p:ph type="sldNum" sz="quarter" idx="12"/>
+          </p:nvPr>
+        </p:nvSpPr>
+        <p:spPr/>
+        <p:txBody>
+          <a:bodyPr/>
+          <a:lstStyle/>
+          <a:p>
+            <a:fld id="{A5D42214-1474-8E46-ACA5-153ACA1D2C03}" type="slidenum">
+              <a:rPr lang="en-US" smtClean="0"/>
+              <a:t>2</a:t>
+            </a:fld>
+            <a:endParaRPr lang="en-US"/>
           </a:p>
         </p:txBody>
       </p:sp>
     </p:spTree>
     <p:extLst>
       <p:ext uri="{BB962C8B-B14F-4D97-AF65-F5344CB8AC3E}">
-        <p14:creationId xmlns:p14="http://schemas.microsoft.com/office/powerpoint/2010/main" val="1797924623"/>
+        <p14:creationId xmlns:p14="http://schemas.microsoft.com/office/powerpoint/2010/main" val="404949314"/>
       </p:ext>
     </p:extLst>
   </p:cSld>
@@ -7716,7 +6671,7 @@
           <a:p>
             <a:r>
               <a:rPr lang="en-US" dirty="0" smtClean="0"/>
-              <a:t>Tool Chain</a:t>
+              <a:t>Purpose of EARS-CTRL</a:t>
             </a:r>
             <a:endParaRPr lang="en-US" dirty="0"/>
           </a:p>
@@ -7732,140 +6687,51 @@
             <p:ph idx="1"/>
           </p:nvPr>
         </p:nvSpPr>
-        <p:spPr>
-          <a:xfrm>
-            <a:off x="539750" y="1260475"/>
-            <a:ext cx="8064499" cy="4859338"/>
-          </a:xfrm>
-        </p:spPr>
-        <p:txBody>
-          <a:bodyPr/>
-          <a:lstStyle/>
-          <a:p>
-            <a:r>
-              <a:rPr lang="en-US" dirty="0" smtClean="0"/>
-              <a:t>MPS (Meta-Programming System)</a:t>
-            </a:r>
-          </a:p>
-          <a:p>
-            <a:r>
-              <a:rPr lang="en-US" dirty="0" smtClean="0"/>
-              <a:t>AutoCode4 (LTL-based controller synthesizer)</a:t>
-            </a:r>
-          </a:p>
-          <a:p>
-            <a:r>
-              <a:rPr lang="en-US" dirty="0" smtClean="0"/>
-              <a:t>MATLAB Simulink</a:t>
-            </a:r>
-          </a:p>
-          <a:p>
-            <a:endParaRPr lang="en-US" dirty="0"/>
-          </a:p>
-          <a:p>
-            <a:r>
-              <a:rPr lang="en-US" dirty="0" smtClean="0"/>
-              <a:t>EARS [1] (Easy Approach to Requirements Syntax)</a:t>
-            </a:r>
-          </a:p>
-          <a:p>
-            <a:endParaRPr lang="en-US" dirty="0"/>
-          </a:p>
-        </p:txBody>
-      </p:sp>
-      <p:sp>
-        <p:nvSpPr>
-          <p:cNvPr id="4" name="Slide Number Placeholder 3"/>
-          <p:cNvSpPr>
-            <a:spLocks noGrp="1"/>
-          </p:cNvSpPr>
-          <p:nvPr>
-            <p:ph type="sldNum" sz="quarter" idx="12"/>
-          </p:nvPr>
-        </p:nvSpPr>
         <p:spPr/>
         <p:txBody>
           <a:bodyPr/>
           <a:lstStyle/>
           <a:p>
-            <a:fld id="{A5D42214-1474-8E46-ACA5-153ACA1D2C03}" type="slidenum">
-              <a:rPr lang="en-US" smtClean="0"/>
-              <a:t>3</a:t>
-            </a:fld>
-            <a:endParaRPr lang="en-US"/>
-          </a:p>
-        </p:txBody>
-      </p:sp>
-      <p:sp>
-        <p:nvSpPr>
-          <p:cNvPr id="5" name="TextBox 4"/>
-          <p:cNvSpPr txBox="1"/>
-          <p:nvPr/>
-        </p:nvSpPr>
-        <p:spPr>
-          <a:xfrm>
-            <a:off x="691770" y="5017780"/>
-            <a:ext cx="8047396" cy="830997"/>
-          </a:xfrm>
-          <a:prstGeom prst="rect">
-            <a:avLst/>
-          </a:prstGeom>
-          <a:noFill/>
-        </p:spPr>
-        <p:txBody>
-          <a:bodyPr wrap="none" rtlCol="0">
-            <a:spAutoFit/>
-          </a:bodyPr>
-          <a:lstStyle/>
-          <a:p>
-            <a:r>
-              <a:rPr lang="en-US" sz="1600" dirty="0" smtClean="0"/>
-              <a:t>[1] A</a:t>
-            </a:r>
-            <a:r>
-              <a:rPr lang="en-US" sz="1600" dirty="0"/>
-              <a:t>. </a:t>
-            </a:r>
-            <a:r>
-              <a:rPr lang="en-US" sz="1600" dirty="0" err="1"/>
-              <a:t>Mavin</a:t>
-            </a:r>
-            <a:r>
-              <a:rPr lang="en-US" sz="1600" dirty="0"/>
-              <a:t>, P. Wilkinson, A. Harwood, and M. Novak. Easy approach to requirements</a:t>
-            </a:r>
-          </a:p>
-          <a:p>
-            <a:r>
-              <a:rPr lang="en-US" sz="1600" dirty="0"/>
-              <a:t>syntax (ears). In 2009 17th IEEE International Requirements Engineering</a:t>
-            </a:r>
-          </a:p>
-          <a:p>
-            <a:r>
-              <a:rPr lang="en-US" sz="1600" dirty="0"/>
-              <a:t>Conference, pages </a:t>
-            </a:r>
-            <a:r>
-              <a:rPr lang="en-US" sz="1600" dirty="0" smtClean="0"/>
-              <a:t>317-322</a:t>
-            </a:r>
-            <a:r>
-              <a:rPr lang="en-US" sz="1600" dirty="0"/>
-              <a:t>, Aug 2009</a:t>
-            </a:r>
-            <a:r>
-              <a:rPr lang="en-US" sz="1600" dirty="0" smtClean="0"/>
-              <a:t>.</a:t>
-            </a:r>
-            <a:endParaRPr lang="en-US" sz="1600" dirty="0"/>
+            <a:endParaRPr lang="en-US" sz="2200" dirty="0" smtClean="0"/>
+          </a:p>
+          <a:p>
+            <a:r>
+              <a:rPr lang="en-US" sz="2200" dirty="0" smtClean="0"/>
+              <a:t>A </a:t>
+            </a:r>
+            <a:r>
+              <a:rPr lang="en-US" sz="2200" i="1" dirty="0" smtClean="0"/>
+              <a:t>push-button approach </a:t>
+            </a:r>
+            <a:r>
+              <a:rPr lang="en-US" sz="2200" dirty="0" smtClean="0"/>
+              <a:t>for directly generating software controllers from requirements written in English</a:t>
+            </a:r>
+          </a:p>
+          <a:p>
+            <a:endParaRPr lang="en-US" sz="2200" dirty="0" smtClean="0"/>
+          </a:p>
+          <a:p>
+            <a:r>
+              <a:rPr lang="en-US" sz="2200" dirty="0" smtClean="0"/>
+              <a:t>A </a:t>
+            </a:r>
+            <a:r>
+              <a:rPr lang="en-US" sz="2200" i="1" dirty="0" smtClean="0"/>
+              <a:t>push-button approach </a:t>
+            </a:r>
+            <a:r>
+              <a:rPr lang="en-US" sz="2200" dirty="0" smtClean="0"/>
+              <a:t>for verifying the produced controllers are correct</a:t>
+            </a:r>
+            <a:endParaRPr lang="en-US" sz="2200" dirty="0"/>
           </a:p>
         </p:txBody>
       </p:sp>
     </p:spTree>
     <p:extLst>
       <p:ext uri="{BB962C8B-B14F-4D97-AF65-F5344CB8AC3E}">
-        <p14:creationId xmlns:p14="http://schemas.microsoft.com/office/powerpoint/2010/main" val="557208576"/>
+        <p14:creationId xmlns:p14="http://schemas.microsoft.com/office/powerpoint/2010/main" val="1797924623"/>
       </p:ext>
     </p:extLst>
   </p:cSld>
@@ -7901,6 +6767,80 @@
       </p:grpSpPr>
       <p:sp>
         <p:nvSpPr>
+          <p:cNvPr id="2" name="Title 1"/>
+          <p:cNvSpPr>
+            <a:spLocks noGrp="1"/>
+          </p:cNvSpPr>
+          <p:nvPr>
+            <p:ph type="title"/>
+          </p:nvPr>
+        </p:nvSpPr>
+        <p:spPr/>
+        <p:txBody>
+          <a:bodyPr/>
+          <a:lstStyle/>
+          <a:p>
+            <a:r>
+              <a:rPr lang="en-US" dirty="0" smtClean="0"/>
+              <a:t>Tool Chain</a:t>
+            </a:r>
+            <a:endParaRPr lang="en-US" dirty="0"/>
+          </a:p>
+        </p:txBody>
+      </p:sp>
+      <p:sp>
+        <p:nvSpPr>
+          <p:cNvPr id="3" name="Content Placeholder 2"/>
+          <p:cNvSpPr>
+            <a:spLocks noGrp="1"/>
+          </p:cNvSpPr>
+          <p:nvPr>
+            <p:ph idx="1"/>
+          </p:nvPr>
+        </p:nvSpPr>
+        <p:spPr>
+          <a:xfrm>
+            <a:off x="539750" y="1260475"/>
+            <a:ext cx="8064499" cy="4859338"/>
+          </a:xfrm>
+        </p:spPr>
+        <p:txBody>
+          <a:bodyPr/>
+          <a:lstStyle/>
+          <a:p>
+            <a:r>
+              <a:rPr lang="en-US" dirty="0" smtClean="0"/>
+              <a:t>MPS (Meta-Programming System)</a:t>
+            </a:r>
+          </a:p>
+          <a:p>
+            <a:r>
+              <a:rPr lang="en-US" dirty="0" smtClean="0"/>
+              <a:t>AutoCode4 (LTL-based controller synthesizer)</a:t>
+            </a:r>
+          </a:p>
+          <a:p>
+            <a:r>
+              <a:rPr lang="en-US" dirty="0" smtClean="0"/>
+              <a:t>MATLAB Simulink</a:t>
+            </a:r>
+          </a:p>
+          <a:p>
+            <a:endParaRPr lang="en-US" dirty="0"/>
+          </a:p>
+          <a:p>
+            <a:r>
+              <a:rPr lang="en-US" dirty="0" smtClean="0"/>
+              <a:t>EARS [1] (Easy Approach to Requirements Syntax)</a:t>
+            </a:r>
+          </a:p>
+          <a:p>
+            <a:endParaRPr lang="en-US" dirty="0"/>
+          </a:p>
+        </p:txBody>
+      </p:sp>
+      <p:sp>
+        <p:nvSpPr>
           <p:cNvPr id="4" name="Slide Number Placeholder 3"/>
           <p:cNvSpPr>
             <a:spLocks noGrp="1"/>
@@ -7917,6 +6857,132 @@
             <a:fld id="{A5D42214-1474-8E46-ACA5-153ACA1D2C03}" type="slidenum">
               <a:rPr lang="en-US" smtClean="0"/>
               <a:t>4</a:t>
+            </a:fld>
+            <a:endParaRPr lang="en-US"/>
+          </a:p>
+        </p:txBody>
+      </p:sp>
+      <p:sp>
+        <p:nvSpPr>
+          <p:cNvPr id="5" name="TextBox 4"/>
+          <p:cNvSpPr txBox="1"/>
+          <p:nvPr/>
+        </p:nvSpPr>
+        <p:spPr>
+          <a:xfrm>
+            <a:off x="691770" y="5017780"/>
+            <a:ext cx="8047396" cy="830997"/>
+          </a:xfrm>
+          <a:prstGeom prst="rect">
+            <a:avLst/>
+          </a:prstGeom>
+          <a:noFill/>
+        </p:spPr>
+        <p:txBody>
+          <a:bodyPr wrap="none" rtlCol="0">
+            <a:spAutoFit/>
+          </a:bodyPr>
+          <a:lstStyle/>
+          <a:p>
+            <a:r>
+              <a:rPr lang="en-US" sz="1600" dirty="0" smtClean="0"/>
+              <a:t>[1] A</a:t>
+            </a:r>
+            <a:r>
+              <a:rPr lang="en-US" sz="1600" dirty="0"/>
+              <a:t>. </a:t>
+            </a:r>
+            <a:r>
+              <a:rPr lang="en-US" sz="1600" dirty="0" err="1"/>
+              <a:t>Mavin</a:t>
+            </a:r>
+            <a:r>
+              <a:rPr lang="en-US" sz="1600" dirty="0"/>
+              <a:t>, P. Wilkinson, A. Harwood, and M. Novak. Easy approach to requirements</a:t>
+            </a:r>
+          </a:p>
+          <a:p>
+            <a:r>
+              <a:rPr lang="en-US" sz="1600" dirty="0"/>
+              <a:t>syntax (ears). In 2009 17th IEEE International Requirements Engineering</a:t>
+            </a:r>
+          </a:p>
+          <a:p>
+            <a:r>
+              <a:rPr lang="en-US" sz="1600" dirty="0"/>
+              <a:t>Conference, pages </a:t>
+            </a:r>
+            <a:r>
+              <a:rPr lang="en-US" sz="1600" dirty="0" smtClean="0"/>
+              <a:t>317-322</a:t>
+            </a:r>
+            <a:r>
+              <a:rPr lang="en-US" sz="1600" dirty="0"/>
+              <a:t>, Aug 2009</a:t>
+            </a:r>
+            <a:r>
+              <a:rPr lang="en-US" sz="1600" dirty="0" smtClean="0"/>
+              <a:t>.</a:t>
+            </a:r>
+            <a:endParaRPr lang="en-US" sz="1600" dirty="0"/>
+          </a:p>
+        </p:txBody>
+      </p:sp>
+    </p:spTree>
+    <p:extLst>
+      <p:ext uri="{BB962C8B-B14F-4D97-AF65-F5344CB8AC3E}">
+        <p14:creationId xmlns:p14="http://schemas.microsoft.com/office/powerpoint/2010/main" val="557208576"/>
+      </p:ext>
+    </p:extLst>
+  </p:cSld>
+  <p:clrMapOvr>
+    <a:masterClrMapping/>
+  </p:clrMapOvr>
+  <p:timing>
+    <p:tnLst>
+      <p:par>
+        <p:cTn id="1" dur="indefinite" restart="never" nodeType="tmRoot"/>
+      </p:par>
+    </p:tnLst>
+  </p:timing>
+</p:sld>
+</file>
+
+<file path=ppt/slides/slide5.xml><?xml version="1.0" encoding="utf-8"?>
+<p:sld xmlns:a="http://schemas.openxmlformats.org/drawingml/2006/main" xmlns:r="http://schemas.openxmlformats.org/officeDocument/2006/relationships" xmlns:p="http://schemas.openxmlformats.org/presentationml/2006/main">
+  <p:cSld>
+    <p:spTree>
+      <p:nvGrpSpPr>
+        <p:cNvPr id="1" name=""/>
+        <p:cNvGrpSpPr/>
+        <p:nvPr/>
+      </p:nvGrpSpPr>
+      <p:grpSpPr>
+        <a:xfrm>
+          <a:off x="0" y="0"/>
+          <a:ext cx="0" cy="0"/>
+          <a:chOff x="0" y="0"/>
+          <a:chExt cx="0" cy="0"/>
+        </a:xfrm>
+      </p:grpSpPr>
+      <p:sp>
+        <p:nvSpPr>
+          <p:cNvPr id="4" name="Slide Number Placeholder 3"/>
+          <p:cNvSpPr>
+            <a:spLocks noGrp="1"/>
+          </p:cNvSpPr>
+          <p:nvPr>
+            <p:ph type="sldNum" sz="quarter" idx="12"/>
+          </p:nvPr>
+        </p:nvSpPr>
+        <p:spPr/>
+        <p:txBody>
+          <a:bodyPr/>
+          <a:lstStyle/>
+          <a:p>
+            <a:fld id="{A5D42214-1474-8E46-ACA5-153ACA1D2C03}" type="slidenum">
+              <a:rPr lang="en-US" smtClean="0"/>
+              <a:t>5</a:t>
             </a:fld>
             <a:endParaRPr lang="en-US"/>
           </a:p>
@@ -7972,7 +7038,7 @@
 </p:sld>
 </file>
 
-<file path=ppt/slides/slide5.xml><?xml version="1.0" encoding="utf-8"?>
+<file path=ppt/slides/slide6.xml><?xml version="1.0" encoding="utf-8"?>
 <p:sld xmlns:a="http://schemas.openxmlformats.org/drawingml/2006/main" xmlns:r="http://schemas.openxmlformats.org/officeDocument/2006/relationships" xmlns:p="http://schemas.openxmlformats.org/presentationml/2006/main">
   <p:cSld>
     <p:spTree>
@@ -8064,7 +7130,7 @@
           <a:p>
             <a:fld id="{A5D42214-1474-8E46-ACA5-153ACA1D2C03}" type="slidenum">
               <a:rPr lang="en-US" smtClean="0"/>
-              <a:t>5</a:t>
+              <a:t>6</a:t>
             </a:fld>
             <a:endParaRPr lang="en-US"/>
           </a:p>
@@ -8090,7 +7156,399 @@
 </p:sld>
 </file>
 
-<file path=ppt/slides/slide6.xml><?xml version="1.0" encoding="utf-8"?>
+<file path=ppt/slides/slide7.xml><?xml version="1.0" encoding="utf-8"?>
+<p:sld xmlns:a="http://schemas.openxmlformats.org/drawingml/2006/main" xmlns:r="http://schemas.openxmlformats.org/officeDocument/2006/relationships" xmlns:p="http://schemas.openxmlformats.org/presentationml/2006/main">
+  <p:cSld>
+    <p:spTree>
+      <p:nvGrpSpPr>
+        <p:cNvPr id="1" name=""/>
+        <p:cNvGrpSpPr/>
+        <p:nvPr/>
+      </p:nvGrpSpPr>
+      <p:grpSpPr>
+        <a:xfrm>
+          <a:off x="0" y="0"/>
+          <a:ext cx="0" cy="0"/>
+          <a:chOff x="0" y="0"/>
+          <a:chExt cx="0" cy="0"/>
+        </a:xfrm>
+      </p:grpSpPr>
+      <p:sp>
+        <p:nvSpPr>
+          <p:cNvPr id="2" name="Title 1"/>
+          <p:cNvSpPr>
+            <a:spLocks noGrp="1"/>
+          </p:cNvSpPr>
+          <p:nvPr>
+            <p:ph type="title"/>
+          </p:nvPr>
+        </p:nvSpPr>
+        <p:spPr/>
+        <p:txBody>
+          <a:bodyPr/>
+          <a:lstStyle/>
+          <a:p>
+            <a:r>
+              <a:rPr lang="en-US" dirty="0" smtClean="0"/>
+              <a:t>Publications</a:t>
+            </a:r>
+            <a:endParaRPr lang="en-US" dirty="0"/>
+          </a:p>
+        </p:txBody>
+      </p:sp>
+      <p:sp>
+        <p:nvSpPr>
+          <p:cNvPr id="4" name="Slide Number Placeholder 3"/>
+          <p:cNvSpPr>
+            <a:spLocks noGrp="1"/>
+          </p:cNvSpPr>
+          <p:nvPr>
+            <p:ph type="sldNum" sz="quarter" idx="12"/>
+          </p:nvPr>
+        </p:nvSpPr>
+        <p:spPr/>
+        <p:txBody>
+          <a:bodyPr/>
+          <a:lstStyle/>
+          <a:p>
+            <a:fld id="{A5D42214-1474-8E46-ACA5-153ACA1D2C03}" type="slidenum">
+              <a:rPr lang="en-US" smtClean="0"/>
+              <a:t>7</a:t>
+            </a:fld>
+            <a:endParaRPr lang="en-US"/>
+          </a:p>
+        </p:txBody>
+      </p:sp>
+      <p:sp>
+        <p:nvSpPr>
+          <p:cNvPr id="8" name="TextBox 7"/>
+          <p:cNvSpPr txBox="1"/>
+          <p:nvPr/>
+        </p:nvSpPr>
+        <p:spPr>
+          <a:xfrm>
+            <a:off x="646886" y="5454630"/>
+            <a:ext cx="7850226" cy="954107"/>
+          </a:xfrm>
+          <a:prstGeom prst="rect">
+            <a:avLst/>
+          </a:prstGeom>
+          <a:noFill/>
+        </p:spPr>
+        <p:txBody>
+          <a:bodyPr wrap="none" rtlCol="0">
+            <a:spAutoFit/>
+          </a:bodyPr>
+          <a:lstStyle/>
+          <a:p>
+            <a:r>
+              <a:rPr lang="en-US" dirty="0"/>
+              <a:t>EARS-CTRL: Generating Controllers for Dummies, Levi </a:t>
+            </a:r>
+            <a:r>
+              <a:rPr lang="en-US" dirty="0" err="1"/>
+              <a:t>Lúcio</a:t>
+            </a:r>
+            <a:r>
+              <a:rPr lang="en-US" dirty="0"/>
+              <a:t>, Salman Rahman, </a:t>
+            </a:r>
+            <a:r>
+              <a:rPr lang="en-US" dirty="0" err="1"/>
+              <a:t>Saad</a:t>
+            </a:r>
+            <a:r>
+              <a:rPr lang="en-US" dirty="0"/>
+              <a:t> Bin-</a:t>
+            </a:r>
+            <a:r>
+              <a:rPr lang="en-US" dirty="0" err="1"/>
+              <a:t>Abid</a:t>
+            </a:r>
+            <a:r>
+              <a:rPr lang="en-US" dirty="0"/>
+              <a:t>, </a:t>
+            </a:r>
+            <a:endParaRPr lang="en-US" dirty="0" smtClean="0"/>
+          </a:p>
+          <a:p>
+            <a:r>
+              <a:rPr lang="en-US" dirty="0" smtClean="0"/>
+              <a:t>Alistair </a:t>
+            </a:r>
+            <a:r>
+              <a:rPr lang="en-US" dirty="0" err="1"/>
+              <a:t>Mavin</a:t>
+            </a:r>
+            <a:r>
+              <a:rPr lang="en-US" dirty="0"/>
+              <a:t>, Proceedings of the 20th International Conference on Model Driven Engineering </a:t>
+            </a:r>
+            <a:endParaRPr lang="en-US" dirty="0" smtClean="0"/>
+          </a:p>
+          <a:p>
+            <a:r>
+              <a:rPr lang="en-US" dirty="0" smtClean="0"/>
+              <a:t>Languages </a:t>
+            </a:r>
+            <a:r>
+              <a:rPr lang="en-US" dirty="0"/>
+              <a:t>and Systems (</a:t>
+            </a:r>
+            <a:r>
+              <a:rPr lang="en-US" dirty="0" err="1"/>
+              <a:t>MoDELS</a:t>
+            </a:r>
+            <a:r>
+              <a:rPr lang="en-US" dirty="0"/>
+              <a:t>), Demo and Poster track, Austin, Texas, 2017. (to appear)</a:t>
+            </a:r>
+          </a:p>
+          <a:p>
+            <a:endParaRPr lang="en-US" dirty="0"/>
+          </a:p>
+        </p:txBody>
+      </p:sp>
+      <p:pic>
+        <p:nvPicPr>
+          <p:cNvPr id="9" name="Picture 8"/>
+          <p:cNvPicPr>
+            <a:picLocks noChangeAspect="1"/>
+          </p:cNvPicPr>
+          <p:nvPr/>
+        </p:nvPicPr>
+        <p:blipFill>
+          <a:blip r:embed="rId2">
+            <a:extLst>
+              <a:ext uri="{28A0092B-C50C-407E-A947-70E740481C1C}">
+                <a14:useLocalDpi xmlns:a14="http://schemas.microsoft.com/office/drawing/2010/main" val="0"/>
+              </a:ext>
+            </a:extLst>
+          </a:blip>
+          <a:stretch>
+            <a:fillRect/>
+          </a:stretch>
+        </p:blipFill>
+        <p:spPr>
+          <a:xfrm>
+            <a:off x="1771475" y="1141374"/>
+            <a:ext cx="5601047" cy="4133870"/>
+          </a:xfrm>
+          <a:prstGeom prst="rect">
+            <a:avLst/>
+          </a:prstGeom>
+        </p:spPr>
+      </p:pic>
+    </p:spTree>
+    <p:extLst>
+      <p:ext uri="{BB962C8B-B14F-4D97-AF65-F5344CB8AC3E}">
+        <p14:creationId xmlns:p14="http://schemas.microsoft.com/office/powerpoint/2010/main" val="1751411208"/>
+      </p:ext>
+    </p:extLst>
+  </p:cSld>
+  <p:clrMapOvr>
+    <a:masterClrMapping/>
+  </p:clrMapOvr>
+</p:sld>
+</file>
+
+<file path=ppt/slides/slide8.xml><?xml version="1.0" encoding="utf-8"?>
+<p:sld xmlns:a="http://schemas.openxmlformats.org/drawingml/2006/main" xmlns:r="http://schemas.openxmlformats.org/officeDocument/2006/relationships" xmlns:p="http://schemas.openxmlformats.org/presentationml/2006/main">
+  <p:cSld>
+    <p:spTree>
+      <p:nvGrpSpPr>
+        <p:cNvPr id="1" name=""/>
+        <p:cNvGrpSpPr/>
+        <p:nvPr/>
+      </p:nvGrpSpPr>
+      <p:grpSpPr>
+        <a:xfrm>
+          <a:off x="0" y="0"/>
+          <a:ext cx="0" cy="0"/>
+          <a:chOff x="0" y="0"/>
+          <a:chExt cx="0" cy="0"/>
+        </a:xfrm>
+      </p:grpSpPr>
+      <p:sp>
+        <p:nvSpPr>
+          <p:cNvPr id="2" name="Title 1"/>
+          <p:cNvSpPr>
+            <a:spLocks noGrp="1"/>
+          </p:cNvSpPr>
+          <p:nvPr>
+            <p:ph type="title"/>
+          </p:nvPr>
+        </p:nvSpPr>
+        <p:spPr/>
+        <p:txBody>
+          <a:bodyPr/>
+          <a:lstStyle/>
+          <a:p>
+            <a:r>
+              <a:rPr lang="en-US" dirty="0" smtClean="0"/>
+              <a:t>Publications</a:t>
+            </a:r>
+            <a:endParaRPr lang="en-US" dirty="0"/>
+          </a:p>
+        </p:txBody>
+      </p:sp>
+      <p:sp>
+        <p:nvSpPr>
+          <p:cNvPr id="4" name="Slide Number Placeholder 3"/>
+          <p:cNvSpPr>
+            <a:spLocks noGrp="1"/>
+          </p:cNvSpPr>
+          <p:nvPr>
+            <p:ph type="sldNum" sz="quarter" idx="12"/>
+          </p:nvPr>
+        </p:nvSpPr>
+        <p:spPr/>
+        <p:txBody>
+          <a:bodyPr/>
+          <a:lstStyle/>
+          <a:p>
+            <a:fld id="{A5D42214-1474-8E46-ACA5-153ACA1D2C03}" type="slidenum">
+              <a:rPr lang="en-US" smtClean="0"/>
+              <a:t>8</a:t>
+            </a:fld>
+            <a:endParaRPr lang="en-US"/>
+          </a:p>
+        </p:txBody>
+      </p:sp>
+      <p:sp>
+        <p:nvSpPr>
+          <p:cNvPr id="8" name="TextBox 7"/>
+          <p:cNvSpPr txBox="1"/>
+          <p:nvPr/>
+        </p:nvSpPr>
+        <p:spPr>
+          <a:xfrm>
+            <a:off x="666922" y="5473660"/>
+            <a:ext cx="7810151" cy="738664"/>
+          </a:xfrm>
+          <a:prstGeom prst="rect">
+            <a:avLst/>
+          </a:prstGeom>
+          <a:noFill/>
+        </p:spPr>
+        <p:txBody>
+          <a:bodyPr wrap="none" rtlCol="0">
+            <a:spAutoFit/>
+          </a:bodyPr>
+          <a:lstStyle/>
+          <a:p>
+            <a:r>
+              <a:rPr lang="en-US" i="1" dirty="0"/>
+              <a:t>Just Formal Enough? Automated Analysis of EARS Requirements</a:t>
+            </a:r>
+            <a:r>
+              <a:rPr lang="en-US" dirty="0"/>
+              <a:t>, Levi </a:t>
+            </a:r>
+            <a:r>
+              <a:rPr lang="en-US" dirty="0" smtClean="0"/>
+              <a:t>Lucio</a:t>
+            </a:r>
+            <a:r>
+              <a:rPr lang="en-US" dirty="0"/>
+              <a:t>, Salman Rahman</a:t>
+            </a:r>
+            <a:r>
+              <a:rPr lang="en-US" dirty="0" smtClean="0"/>
+              <a:t>,</a:t>
+            </a:r>
+          </a:p>
+          <a:p>
+            <a:r>
+              <a:rPr lang="en-US" dirty="0" smtClean="0"/>
+              <a:t> </a:t>
+            </a:r>
+            <a:r>
+              <a:rPr lang="en-US" dirty="0" err="1"/>
+              <a:t>Chih</a:t>
+            </a:r>
+            <a:r>
+              <a:rPr lang="en-US" dirty="0"/>
+              <a:t>-Hong Cheng, Alistair </a:t>
+            </a:r>
+            <a:r>
+              <a:rPr lang="en-US" dirty="0" err="1"/>
+              <a:t>Mavin</a:t>
+            </a:r>
+            <a:r>
+              <a:rPr lang="en-US" dirty="0"/>
+              <a:t>, Proceedings of the 9th NASA Formal Methods </a:t>
+            </a:r>
+            <a:r>
+              <a:rPr lang="en-US" dirty="0" smtClean="0"/>
+              <a:t>Symposium</a:t>
+            </a:r>
+          </a:p>
+          <a:p>
+            <a:r>
+              <a:rPr lang="en-US" dirty="0" smtClean="0"/>
+              <a:t>(NFM </a:t>
+            </a:r>
+            <a:r>
+              <a:rPr lang="en-US" dirty="0"/>
+              <a:t>2017</a:t>
+            </a:r>
+            <a:r>
+              <a:rPr lang="en-US" dirty="0" smtClean="0"/>
+              <a:t>). Lectures </a:t>
+            </a:r>
+            <a:r>
+              <a:rPr lang="en-US" dirty="0"/>
+              <a:t>Notes in Computer Science (LNCS), Volume 10227, pp.427-434, 2017.</a:t>
+            </a:r>
+            <a:endParaRPr lang="en-US" dirty="0"/>
+          </a:p>
+        </p:txBody>
+      </p:sp>
+      <p:pic>
+        <p:nvPicPr>
+          <p:cNvPr id="3" name="Picture 2"/>
+          <p:cNvPicPr>
+            <a:picLocks noChangeAspect="1"/>
+          </p:cNvPicPr>
+          <p:nvPr/>
+        </p:nvPicPr>
+        <p:blipFill>
+          <a:blip r:embed="rId2">
+            <a:extLst>
+              <a:ext uri="{28A0092B-C50C-407E-A947-70E740481C1C}">
+                <a14:useLocalDpi xmlns:a14="http://schemas.microsoft.com/office/drawing/2010/main" val="0"/>
+              </a:ext>
+            </a:extLst>
+          </a:blip>
+          <a:stretch>
+            <a:fillRect/>
+          </a:stretch>
+        </p:blipFill>
+        <p:spPr>
+          <a:xfrm>
+            <a:off x="1853405" y="1217337"/>
+            <a:ext cx="5437187" cy="3920069"/>
+          </a:xfrm>
+          <a:prstGeom prst="rect">
+            <a:avLst/>
+          </a:prstGeom>
+        </p:spPr>
+      </p:pic>
+    </p:spTree>
+    <p:extLst>
+      <p:ext uri="{BB962C8B-B14F-4D97-AF65-F5344CB8AC3E}">
+        <p14:creationId xmlns:p14="http://schemas.microsoft.com/office/powerpoint/2010/main" val="1098001166"/>
+      </p:ext>
+    </p:extLst>
+  </p:cSld>
+  <p:clrMapOvr>
+    <a:masterClrMapping/>
+  </p:clrMapOvr>
+</p:sld>
+</file>
+
+<file path=ppt/slides/slide9.xml><?xml version="1.0" encoding="utf-8"?>
 <p:sld xmlns:a="http://schemas.openxmlformats.org/drawingml/2006/main" xmlns:r="http://schemas.openxmlformats.org/officeDocument/2006/relationships" xmlns:p="http://schemas.openxmlformats.org/presentationml/2006/main">
   <p:cSld>
     <p:spTree>
@@ -8198,7 +7656,6 @@
               <a:rPr lang="en-US" sz="2300" dirty="0"/>
               <a:t>/IOyFRd6mbd0</a:t>
             </a:r>
-            <a:endParaRPr lang="en-US" sz="2300" dirty="0"/>
           </a:p>
           <a:p>
             <a:pPr marL="358775" indent="-358775">
@@ -8222,13 +7679,7 @@
               <a:rPr lang="en-GB" sz="2300" dirty="0" smtClean="0">
                 <a:cs typeface="Arial" pitchFamily="34" charset="0"/>
               </a:rPr>
-              <a:t>Contact </a:t>
-            </a:r>
-            <a:r>
-              <a:rPr lang="en-GB" sz="2300" dirty="0" smtClean="0">
-                <a:cs typeface="Arial" pitchFamily="34" charset="0"/>
-              </a:rPr>
-              <a:t>// </a:t>
+              <a:t>Contact // </a:t>
             </a:r>
             <a:r>
               <a:rPr lang="en-GB" sz="2300" dirty="0" err="1" smtClean="0">
@@ -8269,13 +7720,7 @@
               <a:rPr lang="en-GB" sz="2300" dirty="0" smtClean="0">
                 <a:cs typeface="Arial" pitchFamily="34" charset="0"/>
               </a:rPr>
-              <a:t> </a:t>
-            </a:r>
-            <a:r>
-              <a:rPr lang="en-GB" sz="2300" dirty="0" smtClean="0">
-                <a:cs typeface="Arial" pitchFamily="34" charset="0"/>
-              </a:rPr>
-              <a:t>GmbH</a:t>
+              <a:t> GmbH</a:t>
             </a:r>
           </a:p>
           <a:p>
@@ -8300,13 +7745,7 @@
               <a:rPr lang="de-DE" sz="2300" dirty="0" smtClean="0">
                 <a:cs typeface="Arial" pitchFamily="34" charset="0"/>
               </a:rPr>
-              <a:t>An-Institut </a:t>
-            </a:r>
-            <a:r>
-              <a:rPr lang="de-DE" sz="2300" dirty="0" smtClean="0">
-                <a:cs typeface="Arial" pitchFamily="34" charset="0"/>
-              </a:rPr>
-              <a:t>Technische Universität München</a:t>
+              <a:t>An-Institut Technische Universität München</a:t>
             </a:r>
           </a:p>
           <a:p>
@@ -8320,13 +7759,7 @@
               <a:rPr lang="de-DE" sz="2300" dirty="0" smtClean="0">
                 <a:cs typeface="Arial" pitchFamily="34" charset="0"/>
               </a:rPr>
-              <a:t>Guerickestraße 25 · 80805 München · </a:t>
-            </a:r>
-            <a:r>
-              <a:rPr lang="de-DE" sz="2300" dirty="0" smtClean="0">
-                <a:cs typeface="Arial" pitchFamily="34" charset="0"/>
-              </a:rPr>
-              <a:t>Germany</a:t>
+              <a:t>Guerickestraße 25 · 80805 München · Germany</a:t>
             </a:r>
             <a:endParaRPr lang="en-GB" sz="2300" dirty="0" smtClean="0">
               <a:cs typeface="Arial" pitchFamily="34" charset="0"/>
